--- a/analysis/output/FigsFinal/indNet.pptx
+++ b/analysis/output/FigsFinal/indNet.pptx
@@ -259,7 +259,7 @@
           <a:p>
             <a:fld id="{F130B80B-1896-CF4D-BBE4-230AB079CE2F}" type="datetimeFigureOut">
               <a:rPr lang="en-US" smtClean="0"/>
-              <a:t>6/4/21</a:t>
+              <a:t>6/10/21</a:t>
             </a:fld>
             <a:endParaRPr lang="en-US"/>
           </a:p>
@@ -457,7 +457,7 @@
           <a:p>
             <a:fld id="{F130B80B-1896-CF4D-BBE4-230AB079CE2F}" type="datetimeFigureOut">
               <a:rPr lang="en-US" smtClean="0"/>
-              <a:t>6/4/21</a:t>
+              <a:t>6/10/21</a:t>
             </a:fld>
             <a:endParaRPr lang="en-US"/>
           </a:p>
@@ -665,7 +665,7 @@
           <a:p>
             <a:fld id="{F130B80B-1896-CF4D-BBE4-230AB079CE2F}" type="datetimeFigureOut">
               <a:rPr lang="en-US" smtClean="0"/>
-              <a:t>6/4/21</a:t>
+              <a:t>6/10/21</a:t>
             </a:fld>
             <a:endParaRPr lang="en-US"/>
           </a:p>
@@ -863,7 +863,7 @@
           <a:p>
             <a:fld id="{F130B80B-1896-CF4D-BBE4-230AB079CE2F}" type="datetimeFigureOut">
               <a:rPr lang="en-US" smtClean="0"/>
-              <a:t>6/4/21</a:t>
+              <a:t>6/10/21</a:t>
             </a:fld>
             <a:endParaRPr lang="en-US"/>
           </a:p>
@@ -1138,7 +1138,7 @@
           <a:p>
             <a:fld id="{F130B80B-1896-CF4D-BBE4-230AB079CE2F}" type="datetimeFigureOut">
               <a:rPr lang="en-US" smtClean="0"/>
-              <a:t>6/4/21</a:t>
+              <a:t>6/10/21</a:t>
             </a:fld>
             <a:endParaRPr lang="en-US"/>
           </a:p>
@@ -1403,7 +1403,7 @@
           <a:p>
             <a:fld id="{F130B80B-1896-CF4D-BBE4-230AB079CE2F}" type="datetimeFigureOut">
               <a:rPr lang="en-US" smtClean="0"/>
-              <a:t>6/4/21</a:t>
+              <a:t>6/10/21</a:t>
             </a:fld>
             <a:endParaRPr lang="en-US"/>
           </a:p>
@@ -1815,7 +1815,7 @@
           <a:p>
             <a:fld id="{F130B80B-1896-CF4D-BBE4-230AB079CE2F}" type="datetimeFigureOut">
               <a:rPr lang="en-US" smtClean="0"/>
-              <a:t>6/4/21</a:t>
+              <a:t>6/10/21</a:t>
             </a:fld>
             <a:endParaRPr lang="en-US"/>
           </a:p>
@@ -1956,7 +1956,7 @@
           <a:p>
             <a:fld id="{F130B80B-1896-CF4D-BBE4-230AB079CE2F}" type="datetimeFigureOut">
               <a:rPr lang="en-US" smtClean="0"/>
-              <a:t>6/4/21</a:t>
+              <a:t>6/10/21</a:t>
             </a:fld>
             <a:endParaRPr lang="en-US"/>
           </a:p>
@@ -2069,7 +2069,7 @@
           <a:p>
             <a:fld id="{F130B80B-1896-CF4D-BBE4-230AB079CE2F}" type="datetimeFigureOut">
               <a:rPr lang="en-US" smtClean="0"/>
-              <a:t>6/4/21</a:t>
+              <a:t>6/10/21</a:t>
             </a:fld>
             <a:endParaRPr lang="en-US"/>
           </a:p>
@@ -2380,7 +2380,7 @@
           <a:p>
             <a:fld id="{F130B80B-1896-CF4D-BBE4-230AB079CE2F}" type="datetimeFigureOut">
               <a:rPr lang="en-US" smtClean="0"/>
-              <a:t>6/4/21</a:t>
+              <a:t>6/10/21</a:t>
             </a:fld>
             <a:endParaRPr lang="en-US"/>
           </a:p>
@@ -2668,7 +2668,7 @@
           <a:p>
             <a:fld id="{F130B80B-1896-CF4D-BBE4-230AB079CE2F}" type="datetimeFigureOut">
               <a:rPr lang="en-US" smtClean="0"/>
-              <a:t>6/4/21</a:t>
+              <a:t>6/10/21</a:t>
             </a:fld>
             <a:endParaRPr lang="en-US"/>
           </a:p>
@@ -2909,7 +2909,7 @@
           <a:p>
             <a:fld id="{F130B80B-1896-CF4D-BBE4-230AB079CE2F}" type="datetimeFigureOut">
               <a:rPr lang="en-US" smtClean="0"/>
-              <a:t>6/4/21</a:t>
+              <a:t>6/10/21</a:t>
             </a:fld>
             <a:endParaRPr lang="en-US"/>
           </a:p>
@@ -3348,7 +3348,7 @@
         </p:blipFill>
         <p:spPr>
           <a:xfrm>
-            <a:off x="7241246" y="1448065"/>
+            <a:off x="7241246" y="416927"/>
             <a:ext cx="3924300" cy="3721100"/>
           </a:xfrm>
           <a:prstGeom prst="rect">
@@ -3377,7 +3377,7 @@
         </p:blipFill>
         <p:spPr>
           <a:xfrm>
-            <a:off x="4982558" y="4389816"/>
+            <a:off x="5493868" y="1897471"/>
             <a:ext cx="1613977" cy="914400"/>
           </a:xfrm>
           <a:prstGeom prst="rect">
@@ -3406,7 +3406,7 @@
         </p:blipFill>
         <p:spPr>
           <a:xfrm>
-            <a:off x="3333434" y="4389816"/>
+            <a:off x="3858731" y="1897471"/>
             <a:ext cx="1612387" cy="914400"/>
           </a:xfrm>
           <a:prstGeom prst="rect">
@@ -3430,13 +3430,13 @@
         </p:nvPicPr>
         <p:blipFill rotWithShape="1">
           <a:blip r:embed="rId5"/>
-          <a:srcRect l="12746"/>
+          <a:srcRect l="12746" r="13288"/>
           <a:stretch/>
         </p:blipFill>
         <p:spPr>
           <a:xfrm>
-            <a:off x="4982558" y="3468989"/>
-            <a:ext cx="1613977" cy="914400"/>
+            <a:off x="2729561" y="1948167"/>
+            <a:ext cx="1368185" cy="914400"/>
           </a:xfrm>
           <a:prstGeom prst="rect">
             <a:avLst/>
@@ -3464,7 +3464,7 @@
         </p:blipFill>
         <p:spPr>
           <a:xfrm>
-            <a:off x="3333434" y="3468989"/>
+            <a:off x="1069030" y="1948167"/>
             <a:ext cx="1612387" cy="914400"/>
           </a:xfrm>
           <a:prstGeom prst="rect">
@@ -3493,7 +3493,7 @@
         </p:blipFill>
         <p:spPr>
           <a:xfrm>
-            <a:off x="4968571" y="2533461"/>
+            <a:off x="5493868" y="1006212"/>
             <a:ext cx="1627964" cy="914400"/>
           </a:xfrm>
           <a:prstGeom prst="rect">
@@ -3522,7 +3522,7 @@
         </p:blipFill>
         <p:spPr>
           <a:xfrm>
-            <a:off x="3333434" y="2533461"/>
+            <a:off x="3858731" y="1006212"/>
             <a:ext cx="1612387" cy="914400"/>
           </a:xfrm>
           <a:prstGeom prst="rect">
@@ -3530,6 +3530,426 @@
           </a:prstGeom>
         </p:spPr>
       </p:pic>
+      <p:sp>
+        <p:nvSpPr>
+          <p:cNvPr id="24" name="TextBox 23">
+            <a:extLst>
+              <a:ext uri="{FF2B5EF4-FFF2-40B4-BE49-F238E27FC236}">
+                <a16:creationId xmlns:a16="http://schemas.microsoft.com/office/drawing/2014/main" id="{49860D5C-68B8-8D42-9B52-9172024FDEC5}"/>
+              </a:ext>
+            </a:extLst>
+          </p:cNvPr>
+          <p:cNvSpPr txBox="1"/>
+          <p:nvPr/>
+        </p:nvSpPr>
+        <p:spPr>
+          <a:xfrm>
+            <a:off x="1116497" y="2891716"/>
+            <a:ext cx="6198706" cy="1077218"/>
+          </a:xfrm>
+          <a:prstGeom prst="rect">
+            <a:avLst/>
+          </a:prstGeom>
+          <a:noFill/>
+        </p:spPr>
+        <p:txBody>
+          <a:bodyPr wrap="square" rtlCol="0">
+            <a:spAutoFit/>
+          </a:bodyPr>
+          <a:lstStyle/>
+          <a:p>
+            <a:r>
+              <a:rPr lang="en-US" sz="1600" dirty="0"/>
+              <a:t>Networks: </a:t>
+            </a:r>
+            <a:r>
+              <a:rPr lang="en-US" sz="1600" dirty="0" err="1">
+                <a:solidFill>
+                  <a:srgbClr val="4DD8D7"/>
+                </a:solidFill>
+              </a:rPr>
+              <a:t>somatomotor</a:t>
+            </a:r>
+            <a:r>
+              <a:rPr lang="en-US" sz="1600" dirty="0">
+                <a:solidFill>
+                  <a:srgbClr val="4DD8D7"/>
+                </a:solidFill>
+              </a:rPr>
+              <a:t> dorsal</a:t>
+            </a:r>
+            <a:r>
+              <a:rPr lang="en-US" sz="1600" dirty="0"/>
+              <a:t>, </a:t>
+            </a:r>
+            <a:r>
+              <a:rPr lang="en-US" sz="1600" dirty="0" err="1">
+                <a:solidFill>
+                  <a:srgbClr val="FF932B"/>
+                </a:solidFill>
+              </a:rPr>
+              <a:t>somatomotor</a:t>
+            </a:r>
+            <a:r>
+              <a:rPr lang="en-US" sz="1600" dirty="0">
+                <a:solidFill>
+                  <a:srgbClr val="FF932B"/>
+                </a:solidFill>
+              </a:rPr>
+              <a:t> ventral</a:t>
+            </a:r>
+            <a:r>
+              <a:rPr lang="en-US" sz="1600" dirty="0"/>
+              <a:t>, </a:t>
+            </a:r>
+            <a:r>
+              <a:rPr lang="en-US" sz="1600" dirty="0">
+                <a:solidFill>
+                  <a:srgbClr val="220085"/>
+                </a:solidFill>
+              </a:rPr>
+              <a:t>Visual</a:t>
+            </a:r>
+            <a:r>
+              <a:rPr lang="en-US" sz="1600" dirty="0"/>
+              <a:t>, </a:t>
+            </a:r>
+            <a:r>
+              <a:rPr lang="en-US" sz="1600" dirty="0">
+                <a:solidFill>
+                  <a:srgbClr val="A052EF"/>
+                </a:solidFill>
+              </a:rPr>
+              <a:t>auditory</a:t>
+            </a:r>
+            <a:r>
+              <a:rPr lang="en-US" sz="1600" dirty="0"/>
+              <a:t>, </a:t>
+            </a:r>
+            <a:r>
+              <a:rPr lang="en-US" sz="1600" dirty="0" err="1">
+                <a:solidFill>
+                  <a:srgbClr val="602996"/>
+                </a:solidFill>
+              </a:rPr>
+              <a:t>cingulo</a:t>
+            </a:r>
+            <a:r>
+              <a:rPr lang="en-US" sz="1600" dirty="0">
+                <a:solidFill>
+                  <a:srgbClr val="602996"/>
+                </a:solidFill>
+              </a:rPr>
+              <a:t> </a:t>
+            </a:r>
+            <a:r>
+              <a:rPr lang="en-US" sz="1600" dirty="0" err="1">
+                <a:solidFill>
+                  <a:srgbClr val="602996"/>
+                </a:solidFill>
+              </a:rPr>
+              <a:t>opercular</a:t>
+            </a:r>
+            <a:r>
+              <a:rPr lang="en-US" sz="1600" dirty="0"/>
+              <a:t>, </a:t>
+            </a:r>
+            <a:r>
+              <a:rPr lang="en-US" sz="1600" dirty="0">
+                <a:solidFill>
+                  <a:srgbClr val="DDE000"/>
+                </a:solidFill>
+              </a:rPr>
+              <a:t>frontoparietal</a:t>
+            </a:r>
+            <a:r>
+              <a:rPr lang="en-US" sz="1600" dirty="0"/>
+              <a:t>, </a:t>
+            </a:r>
+            <a:r>
+              <a:rPr lang="en-US" sz="1600" dirty="0">
+                <a:solidFill>
+                  <a:srgbClr val="2BCC29"/>
+                </a:solidFill>
+              </a:rPr>
+              <a:t>dorsal attention network</a:t>
+            </a:r>
+            <a:r>
+              <a:rPr lang="en-US" sz="1600" dirty="0"/>
+              <a:t>, </a:t>
+            </a:r>
+            <a:r>
+              <a:rPr lang="en-US" sz="1600" dirty="0">
+                <a:solidFill>
+                  <a:srgbClr val="FF2928"/>
+                </a:solidFill>
+              </a:rPr>
+              <a:t>default mode network</a:t>
+            </a:r>
+            <a:r>
+              <a:rPr lang="en-US" sz="1600" dirty="0"/>
+              <a:t>, </a:t>
+            </a:r>
+            <a:r>
+              <a:rPr lang="en-US" sz="1600" dirty="0">
+                <a:solidFill>
+                  <a:srgbClr val="030BF4"/>
+                </a:solidFill>
+              </a:rPr>
+              <a:t>parietal memory network</a:t>
+            </a:r>
+            <a:r>
+              <a:rPr lang="en-US" sz="1600" dirty="0"/>
+              <a:t>, </a:t>
+            </a:r>
+            <a:r>
+              <a:rPr lang="en-US" sz="1600" dirty="0" err="1">
+                <a:solidFill>
+                  <a:srgbClr val="949494"/>
+                </a:solidFill>
+              </a:rPr>
+              <a:t>retrosplenial</a:t>
+            </a:r>
+            <a:r>
+              <a:rPr lang="en-US" sz="1600" dirty="0">
+                <a:solidFill>
+                  <a:srgbClr val="949494"/>
+                </a:solidFill>
+              </a:rPr>
+              <a:t> network</a:t>
+            </a:r>
+            <a:r>
+              <a:rPr lang="en-US" sz="1600" dirty="0"/>
+              <a:t>, </a:t>
+            </a:r>
+            <a:r>
+              <a:rPr lang="en-US" sz="1600" dirty="0">
+                <a:solidFill>
+                  <a:srgbClr val="F39AF4"/>
+                </a:solidFill>
+              </a:rPr>
+              <a:t>premotor network</a:t>
+            </a:r>
+            <a:r>
+              <a:rPr lang="en-US" sz="1600" dirty="0"/>
+              <a:t>, </a:t>
+            </a:r>
+            <a:r>
+              <a:rPr lang="en-US" sz="1600" dirty="0">
+                <a:solidFill>
+                  <a:srgbClr val="07999B"/>
+                </a:solidFill>
+              </a:rPr>
+              <a:t>ventral attention network</a:t>
+            </a:r>
+            <a:r>
+              <a:rPr lang="en-US" sz="1600" dirty="0"/>
+              <a:t>, salience</a:t>
+            </a:r>
+            <a:endParaRPr lang="en-US" sz="1600" dirty="0">
+              <a:solidFill>
+                <a:srgbClr val="949494"/>
+              </a:solidFill>
+            </a:endParaRPr>
+          </a:p>
+        </p:txBody>
+      </p:sp>
+      <p:sp>
+        <p:nvSpPr>
+          <p:cNvPr id="30" name="TextBox 29">
+            <a:extLst>
+              <a:ext uri="{FF2B5EF4-FFF2-40B4-BE49-F238E27FC236}">
+                <a16:creationId xmlns:a16="http://schemas.microsoft.com/office/drawing/2014/main" id="{FAA0CEA5-F761-314B-A100-4EB748B94A9B}"/>
+              </a:ext>
+            </a:extLst>
+          </p:cNvPr>
+          <p:cNvSpPr txBox="1"/>
+          <p:nvPr/>
+        </p:nvSpPr>
+        <p:spPr>
+          <a:xfrm>
+            <a:off x="8342683" y="3875905"/>
+            <a:ext cx="933550" cy="646331"/>
+          </a:xfrm>
+          <a:prstGeom prst="rect">
+            <a:avLst/>
+          </a:prstGeom>
+          <a:noFill/>
+        </p:spPr>
+        <p:txBody>
+          <a:bodyPr wrap="square" rtlCol="0">
+            <a:spAutoFit/>
+          </a:bodyPr>
+          <a:lstStyle/>
+          <a:p>
+            <a:r>
+              <a:rPr lang="en-US" dirty="0"/>
+              <a:t>Same </a:t>
+            </a:r>
+          </a:p>
+          <a:p>
+            <a:r>
+              <a:rPr lang="en-US" dirty="0"/>
+              <a:t>Person</a:t>
+            </a:r>
+            <a:endParaRPr lang="en-US" dirty="0">
+              <a:solidFill>
+                <a:srgbClr val="949494"/>
+              </a:solidFill>
+            </a:endParaRPr>
+          </a:p>
+        </p:txBody>
+      </p:sp>
+      <p:sp>
+        <p:nvSpPr>
+          <p:cNvPr id="31" name="TextBox 30">
+            <a:extLst>
+              <a:ext uri="{FF2B5EF4-FFF2-40B4-BE49-F238E27FC236}">
+                <a16:creationId xmlns:a16="http://schemas.microsoft.com/office/drawing/2014/main" id="{BF3C3E6C-24CE-7841-AD31-B23B5318F1D1}"/>
+              </a:ext>
+            </a:extLst>
+          </p:cNvPr>
+          <p:cNvSpPr txBox="1"/>
+          <p:nvPr/>
+        </p:nvSpPr>
+        <p:spPr>
+          <a:xfrm>
+            <a:off x="9858507" y="3875905"/>
+            <a:ext cx="1398217" cy="646331"/>
+          </a:xfrm>
+          <a:prstGeom prst="rect">
+            <a:avLst/>
+          </a:prstGeom>
+          <a:noFill/>
+        </p:spPr>
+        <p:txBody>
+          <a:bodyPr wrap="square" rtlCol="0">
+            <a:spAutoFit/>
+          </a:bodyPr>
+          <a:lstStyle/>
+          <a:p>
+            <a:r>
+              <a:rPr lang="en-US" dirty="0"/>
+              <a:t>Different Person</a:t>
+            </a:r>
+            <a:endParaRPr lang="en-US" dirty="0">
+              <a:solidFill>
+                <a:srgbClr val="949494"/>
+              </a:solidFill>
+            </a:endParaRPr>
+          </a:p>
+        </p:txBody>
+      </p:sp>
+      <p:sp>
+        <p:nvSpPr>
+          <p:cNvPr id="32" name="TextBox 31">
+            <a:extLst>
+              <a:ext uri="{FF2B5EF4-FFF2-40B4-BE49-F238E27FC236}">
+                <a16:creationId xmlns:a16="http://schemas.microsoft.com/office/drawing/2014/main" id="{C45B9BE7-112F-7349-8FB0-8C3DD5C736C2}"/>
+              </a:ext>
+            </a:extLst>
+          </p:cNvPr>
+          <p:cNvSpPr txBox="1"/>
+          <p:nvPr/>
+        </p:nvSpPr>
+        <p:spPr>
+          <a:xfrm rot="16200000">
+            <a:off x="6580798" y="2015713"/>
+            <a:ext cx="1390166" cy="400110"/>
+          </a:xfrm>
+          <a:prstGeom prst="rect">
+            <a:avLst/>
+          </a:prstGeom>
+          <a:noFill/>
+        </p:spPr>
+        <p:txBody>
+          <a:bodyPr wrap="square" rtlCol="0">
+            <a:spAutoFit/>
+          </a:bodyPr>
+          <a:lstStyle/>
+          <a:p>
+            <a:r>
+              <a:rPr lang="en-US" sz="2000" dirty="0"/>
+              <a:t>Accuracy %</a:t>
+            </a:r>
+            <a:endParaRPr lang="en-US" sz="2000" dirty="0">
+              <a:solidFill>
+                <a:srgbClr val="949494"/>
+              </a:solidFill>
+            </a:endParaRPr>
+          </a:p>
+        </p:txBody>
+      </p:sp>
+      <p:sp>
+        <p:nvSpPr>
+          <p:cNvPr id="37" name="TextBox 36">
+            <a:extLst>
+              <a:ext uri="{FF2B5EF4-FFF2-40B4-BE49-F238E27FC236}">
+                <a16:creationId xmlns:a16="http://schemas.microsoft.com/office/drawing/2014/main" id="{3A4D5330-DB72-DC4F-861D-984220223C38}"/>
+              </a:ext>
+            </a:extLst>
+          </p:cNvPr>
+          <p:cNvSpPr txBox="1"/>
+          <p:nvPr/>
+        </p:nvSpPr>
+        <p:spPr>
+          <a:xfrm>
+            <a:off x="902587" y="165863"/>
+            <a:ext cx="602934" cy="584775"/>
+          </a:xfrm>
+          <a:prstGeom prst="rect">
+            <a:avLst/>
+          </a:prstGeom>
+          <a:noFill/>
+        </p:spPr>
+        <p:txBody>
+          <a:bodyPr wrap="square" rtlCol="0">
+            <a:spAutoFit/>
+          </a:bodyPr>
+          <a:lstStyle/>
+          <a:p>
+            <a:r>
+              <a:rPr lang="en-US" sz="3200" dirty="0"/>
+              <a:t>a</a:t>
+            </a:r>
+          </a:p>
+        </p:txBody>
+      </p:sp>
+      <p:sp>
+        <p:nvSpPr>
+          <p:cNvPr id="38" name="TextBox 37">
+            <a:extLst>
+              <a:ext uri="{FF2B5EF4-FFF2-40B4-BE49-F238E27FC236}">
+                <a16:creationId xmlns:a16="http://schemas.microsoft.com/office/drawing/2014/main" id="{63A06F98-C66D-3549-9DBC-75726298BE1D}"/>
+              </a:ext>
+            </a:extLst>
+          </p:cNvPr>
+          <p:cNvSpPr txBox="1"/>
+          <p:nvPr/>
+        </p:nvSpPr>
+        <p:spPr>
+          <a:xfrm>
+            <a:off x="6999283" y="165863"/>
+            <a:ext cx="602934" cy="584775"/>
+          </a:xfrm>
+          <a:prstGeom prst="rect">
+            <a:avLst/>
+          </a:prstGeom>
+          <a:noFill/>
+        </p:spPr>
+        <p:txBody>
+          <a:bodyPr wrap="square" rtlCol="0">
+            <a:spAutoFit/>
+          </a:bodyPr>
+          <a:lstStyle/>
+          <a:p>
+            <a:r>
+              <a:rPr lang="en-US" sz="3200" dirty="0"/>
+              <a:t>b</a:t>
+            </a:r>
+          </a:p>
+        </p:txBody>
+      </p:sp>
       <p:pic>
         <p:nvPicPr>
           <p:cNvPr id="21" name="Picture 20">
@@ -3546,13 +3966,13 @@
         </p:nvPicPr>
         <p:blipFill rotWithShape="1">
           <a:blip r:embed="rId9"/>
-          <a:srcRect l="13363"/>
+          <a:srcRect l="13363" r="14866"/>
           <a:stretch/>
         </p:blipFill>
         <p:spPr>
           <a:xfrm>
-            <a:off x="4993965" y="1592576"/>
-            <a:ext cx="1602570" cy="914400"/>
+            <a:off x="2729561" y="955516"/>
+            <a:ext cx="1327594" cy="914400"/>
           </a:xfrm>
           <a:prstGeom prst="rect">
             <a:avLst/>
@@ -3580,7 +4000,7 @@
         </p:blipFill>
         <p:spPr>
           <a:xfrm>
-            <a:off x="3333434" y="1592576"/>
+            <a:off x="1069030" y="955516"/>
             <a:ext cx="1612387" cy="914400"/>
           </a:xfrm>
           <a:prstGeom prst="rect">
@@ -3590,10 +4010,10 @@
       </p:pic>
       <p:sp>
         <p:nvSpPr>
-          <p:cNvPr id="24" name="TextBox 23">
-            <a:extLst>
-              <a:ext uri="{FF2B5EF4-FFF2-40B4-BE49-F238E27FC236}">
-                <a16:creationId xmlns:a16="http://schemas.microsoft.com/office/drawing/2014/main" id="{49860D5C-68B8-8D42-9B52-9172024FDEC5}"/>
+          <p:cNvPr id="39" name="TextBox 38">
+            <a:extLst>
+              <a:ext uri="{FF2B5EF4-FFF2-40B4-BE49-F238E27FC236}">
+                <a16:creationId xmlns:a16="http://schemas.microsoft.com/office/drawing/2014/main" id="{7D457699-E7D3-F645-A4B7-4159B5DB20B0}"/>
               </a:ext>
             </a:extLst>
           </p:cNvPr>
@@ -3602,8 +4022,8 @@
         </p:nvSpPr>
         <p:spPr>
           <a:xfrm>
-            <a:off x="3171515" y="5414946"/>
-            <a:ext cx="3644900" cy="646331"/>
+            <a:off x="1116497" y="847149"/>
+            <a:ext cx="593567" cy="461665"/>
           </a:xfrm>
           <a:prstGeom prst="rect">
             <a:avLst/>
@@ -3617,142 +4037,18 @@
           <a:lstStyle/>
           <a:p>
             <a:r>
-              <a:rPr lang="en-US" dirty="0"/>
-              <a:t>Common Networks: </a:t>
-            </a:r>
-            <a:r>
-              <a:rPr lang="en-US" dirty="0">
-                <a:solidFill>
-                  <a:srgbClr val="4DD8D7"/>
-                </a:solidFill>
-              </a:rPr>
-              <a:t>SM</a:t>
-            </a:r>
-            <a:r>
-              <a:rPr lang="en-US" dirty="0"/>
-              <a:t>, </a:t>
-            </a:r>
-            <a:r>
-              <a:rPr lang="en-US" dirty="0">
-                <a:solidFill>
-                  <a:srgbClr val="FF932B"/>
-                </a:solidFill>
-              </a:rPr>
-              <a:t>SM-</a:t>
-            </a:r>
-            <a:r>
-              <a:rPr lang="en-US" dirty="0" err="1">
-                <a:solidFill>
-                  <a:srgbClr val="FF932B"/>
-                </a:solidFill>
-              </a:rPr>
-              <a:t>lat</a:t>
-            </a:r>
-            <a:r>
-              <a:rPr lang="en-US" dirty="0"/>
-              <a:t>, </a:t>
-            </a:r>
-            <a:r>
-              <a:rPr lang="en-US" dirty="0">
-                <a:solidFill>
-                  <a:srgbClr val="29297A"/>
-                </a:solidFill>
-              </a:rPr>
-              <a:t>Vis</a:t>
-            </a:r>
-            <a:r>
-              <a:rPr lang="en-US" dirty="0"/>
-              <a:t>, </a:t>
-            </a:r>
-            <a:r>
-              <a:rPr lang="en-US" dirty="0" err="1">
-                <a:solidFill>
-                  <a:srgbClr val="A052EF"/>
-                </a:solidFill>
-              </a:rPr>
-              <a:t>Aud</a:t>
-            </a:r>
-            <a:r>
-              <a:rPr lang="en-US" dirty="0"/>
-              <a:t>, </a:t>
-            </a:r>
-            <a:r>
-              <a:rPr lang="en-US" dirty="0">
-                <a:solidFill>
-                  <a:srgbClr val="602996"/>
-                </a:solidFill>
-              </a:rPr>
-              <a:t>CO</a:t>
-            </a:r>
-            <a:r>
-              <a:rPr lang="en-US" dirty="0"/>
-              <a:t>, </a:t>
-            </a:r>
-            <a:r>
-              <a:rPr lang="en-US" dirty="0">
-                <a:solidFill>
-                  <a:srgbClr val="DDE000"/>
-                </a:solidFill>
-              </a:rPr>
-              <a:t>FP</a:t>
-            </a:r>
-            <a:r>
-              <a:rPr lang="en-US" dirty="0"/>
-              <a:t>, </a:t>
-            </a:r>
-            <a:r>
-              <a:rPr lang="en-US" dirty="0">
-                <a:solidFill>
-                  <a:srgbClr val="2BCC29"/>
-                </a:solidFill>
-              </a:rPr>
-              <a:t>DAN</a:t>
-            </a:r>
-            <a:r>
-              <a:rPr lang="en-US" dirty="0"/>
-              <a:t>, </a:t>
-            </a:r>
-            <a:r>
-              <a:rPr lang="en-US" dirty="0">
-                <a:solidFill>
-                  <a:srgbClr val="FF2928"/>
-                </a:solidFill>
-              </a:rPr>
-              <a:t>DMN</a:t>
-            </a:r>
-            <a:r>
-              <a:rPr lang="en-US" dirty="0"/>
-              <a:t>, </a:t>
-            </a:r>
-            <a:r>
-              <a:rPr lang="en-US" dirty="0">
-                <a:solidFill>
-                  <a:srgbClr val="29297A"/>
-                </a:solidFill>
-              </a:rPr>
-              <a:t>PMN</a:t>
-            </a:r>
-            <a:r>
-              <a:rPr lang="en-US" dirty="0"/>
-              <a:t>, </a:t>
-            </a:r>
-            <a:r>
-              <a:rPr lang="en-US" dirty="0">
-                <a:solidFill>
-                  <a:srgbClr val="949494"/>
-                </a:solidFill>
-              </a:rPr>
-              <a:t>RSP</a:t>
-            </a:r>
-          </a:p>
-        </p:txBody>
-      </p:sp>
-      <p:sp>
-        <p:nvSpPr>
-          <p:cNvPr id="25" name="TextBox 24">
-            <a:extLst>
-              <a:ext uri="{FF2B5EF4-FFF2-40B4-BE49-F238E27FC236}">
-                <a16:creationId xmlns:a16="http://schemas.microsoft.com/office/drawing/2014/main" id="{D99E648A-2F33-DF40-9BCA-08810C0F77ED}"/>
+              <a:rPr lang="en-US" sz="2400" dirty="0"/>
+              <a:t>01</a:t>
+            </a:r>
+          </a:p>
+        </p:txBody>
+      </p:sp>
+      <p:sp>
+        <p:nvSpPr>
+          <p:cNvPr id="40" name="TextBox 39">
+            <a:extLst>
+              <a:ext uri="{FF2B5EF4-FFF2-40B4-BE49-F238E27FC236}">
+                <a16:creationId xmlns:a16="http://schemas.microsoft.com/office/drawing/2014/main" id="{E116C8A2-39B0-1A4D-BC39-32902DAD0911}"/>
               </a:ext>
             </a:extLst>
           </p:cNvPr>
@@ -3761,8 +4057,8 @@
         </p:nvSpPr>
         <p:spPr>
           <a:xfrm>
-            <a:off x="3608854" y="1140269"/>
-            <a:ext cx="2770222" cy="892552"/>
+            <a:off x="2562506" y="847149"/>
+            <a:ext cx="593567" cy="461665"/>
           </a:xfrm>
           <a:prstGeom prst="rect">
             <a:avLst/>
@@ -3776,21 +4072,18 @@
           <a:lstStyle/>
           <a:p>
             <a:r>
-              <a:rPr lang="en-US" sz="2800" dirty="0"/>
-              <a:t>Individual Parcels</a:t>
-            </a:r>
-          </a:p>
-          <a:p>
-            <a:endParaRPr lang="en-US" sz="2400" dirty="0"/>
-          </a:p>
-        </p:txBody>
-      </p:sp>
-      <p:sp>
-        <p:nvSpPr>
-          <p:cNvPr id="29" name="TextBox 28">
-            <a:extLst>
-              <a:ext uri="{FF2B5EF4-FFF2-40B4-BE49-F238E27FC236}">
-                <a16:creationId xmlns:a16="http://schemas.microsoft.com/office/drawing/2014/main" id="{DE20C23E-9AB4-6741-95D7-C1D55BCF2E69}"/>
+              <a:rPr lang="en-US" sz="2400" dirty="0"/>
+              <a:t>02</a:t>
+            </a:r>
+          </a:p>
+        </p:txBody>
+      </p:sp>
+      <p:sp>
+        <p:nvSpPr>
+          <p:cNvPr id="41" name="TextBox 40">
+            <a:extLst>
+              <a:ext uri="{FF2B5EF4-FFF2-40B4-BE49-F238E27FC236}">
+                <a16:creationId xmlns:a16="http://schemas.microsoft.com/office/drawing/2014/main" id="{62DFBA26-C067-D84A-8B25-0C2BD3F68ACB}"/>
               </a:ext>
             </a:extLst>
           </p:cNvPr>
@@ -3799,8 +4092,8 @@
         </p:nvSpPr>
         <p:spPr>
           <a:xfrm>
-            <a:off x="7959857" y="1140269"/>
-            <a:ext cx="3797300" cy="892552"/>
+            <a:off x="3954838" y="847149"/>
+            <a:ext cx="593567" cy="461665"/>
           </a:xfrm>
           <a:prstGeom prst="rect">
             <a:avLst/>
@@ -3814,21 +4107,18 @@
           <a:lstStyle/>
           <a:p>
             <a:r>
-              <a:rPr lang="en-US" sz="2800" dirty="0"/>
-              <a:t>Individual Networks</a:t>
-            </a:r>
-          </a:p>
-          <a:p>
-            <a:endParaRPr lang="en-US" sz="2400" dirty="0"/>
-          </a:p>
-        </p:txBody>
-      </p:sp>
-      <p:sp>
-        <p:nvSpPr>
-          <p:cNvPr id="30" name="TextBox 29">
-            <a:extLst>
-              <a:ext uri="{FF2B5EF4-FFF2-40B4-BE49-F238E27FC236}">
-                <a16:creationId xmlns:a16="http://schemas.microsoft.com/office/drawing/2014/main" id="{FAA0CEA5-F761-314B-A100-4EB748B94A9B}"/>
+              <a:rPr lang="en-US" sz="2400" dirty="0"/>
+              <a:t>03</a:t>
+            </a:r>
+          </a:p>
+        </p:txBody>
+      </p:sp>
+      <p:sp>
+        <p:nvSpPr>
+          <p:cNvPr id="42" name="TextBox 41">
+            <a:extLst>
+              <a:ext uri="{FF2B5EF4-FFF2-40B4-BE49-F238E27FC236}">
+                <a16:creationId xmlns:a16="http://schemas.microsoft.com/office/drawing/2014/main" id="{E46E4234-EB5C-3A4A-B3BD-4841FB0D45E1}"/>
               </a:ext>
             </a:extLst>
           </p:cNvPr>
@@ -3837,8 +4127,8 @@
         </p:nvSpPr>
         <p:spPr>
           <a:xfrm>
-            <a:off x="8342683" y="4907043"/>
-            <a:ext cx="933550" cy="646331"/>
+            <a:off x="5391119" y="847149"/>
+            <a:ext cx="593567" cy="461665"/>
           </a:xfrm>
           <a:prstGeom prst="rect">
             <a:avLst/>
@@ -3852,29 +4142,18 @@
           <a:lstStyle/>
           <a:p>
             <a:r>
-              <a:rPr lang="en-US" dirty="0"/>
-              <a:t>Same </a:t>
-            </a:r>
-          </a:p>
-          <a:p>
-            <a:r>
-              <a:rPr lang="en-US" dirty="0"/>
-              <a:t>Person</a:t>
-            </a:r>
-            <a:endParaRPr lang="en-US" dirty="0">
-              <a:solidFill>
-                <a:srgbClr val="949494"/>
-              </a:solidFill>
-            </a:endParaRPr>
-          </a:p>
-        </p:txBody>
-      </p:sp>
-      <p:sp>
-        <p:nvSpPr>
-          <p:cNvPr id="31" name="TextBox 30">
-            <a:extLst>
-              <a:ext uri="{FF2B5EF4-FFF2-40B4-BE49-F238E27FC236}">
-                <a16:creationId xmlns:a16="http://schemas.microsoft.com/office/drawing/2014/main" id="{BF3C3E6C-24CE-7841-AD31-B23B5318F1D1}"/>
+              <a:rPr lang="en-US" sz="2400" dirty="0"/>
+              <a:t>04</a:t>
+            </a:r>
+          </a:p>
+        </p:txBody>
+      </p:sp>
+      <p:sp>
+        <p:nvSpPr>
+          <p:cNvPr id="43" name="TextBox 42">
+            <a:extLst>
+              <a:ext uri="{FF2B5EF4-FFF2-40B4-BE49-F238E27FC236}">
+                <a16:creationId xmlns:a16="http://schemas.microsoft.com/office/drawing/2014/main" id="{9B774401-F282-3040-8719-E60A74FAC05D}"/>
               </a:ext>
             </a:extLst>
           </p:cNvPr>
@@ -3883,8 +4162,8 @@
         </p:nvSpPr>
         <p:spPr>
           <a:xfrm>
-            <a:off x="9858507" y="4907043"/>
-            <a:ext cx="1398217" cy="646331"/>
+            <a:off x="1116497" y="1762529"/>
+            <a:ext cx="593567" cy="461665"/>
           </a:xfrm>
           <a:prstGeom prst="rect">
             <a:avLst/>
@@ -3898,23 +4177,18 @@
           <a:lstStyle/>
           <a:p>
             <a:r>
-              <a:rPr lang="en-US" dirty="0"/>
-              <a:t>Different Person</a:t>
-            </a:r>
-            <a:endParaRPr lang="en-US" dirty="0">
-              <a:solidFill>
-                <a:srgbClr val="949494"/>
-              </a:solidFill>
-            </a:endParaRPr>
-          </a:p>
-        </p:txBody>
-      </p:sp>
-      <p:sp>
-        <p:nvSpPr>
-          <p:cNvPr id="32" name="TextBox 31">
-            <a:extLst>
-              <a:ext uri="{FF2B5EF4-FFF2-40B4-BE49-F238E27FC236}">
-                <a16:creationId xmlns:a16="http://schemas.microsoft.com/office/drawing/2014/main" id="{C45B9BE7-112F-7349-8FB0-8C3DD5C736C2}"/>
+              <a:rPr lang="en-US" sz="2400" dirty="0"/>
+              <a:t>05</a:t>
+            </a:r>
+          </a:p>
+        </p:txBody>
+      </p:sp>
+      <p:sp>
+        <p:nvSpPr>
+          <p:cNvPr id="44" name="TextBox 43">
+            <a:extLst>
+              <a:ext uri="{FF2B5EF4-FFF2-40B4-BE49-F238E27FC236}">
+                <a16:creationId xmlns:a16="http://schemas.microsoft.com/office/drawing/2014/main" id="{D7FA765C-65D3-634E-A2D6-57B90026C252}"/>
               </a:ext>
             </a:extLst>
           </p:cNvPr>
@@ -3922,9 +4196,9 @@
           <p:nvPr/>
         </p:nvSpPr>
         <p:spPr>
-          <a:xfrm rot="16200000">
-            <a:off x="6580798" y="3046851"/>
-            <a:ext cx="1390166" cy="400110"/>
+          <a:xfrm>
+            <a:off x="2562506" y="1762529"/>
+            <a:ext cx="593567" cy="461665"/>
           </a:xfrm>
           <a:prstGeom prst="rect">
             <a:avLst/>
@@ -3938,23 +4212,18 @@
           <a:lstStyle/>
           <a:p>
             <a:r>
-              <a:rPr lang="en-US" sz="2000" dirty="0"/>
-              <a:t>Accuracy %</a:t>
-            </a:r>
-            <a:endParaRPr lang="en-US" sz="2000" dirty="0">
-              <a:solidFill>
-                <a:srgbClr val="949494"/>
-              </a:solidFill>
-            </a:endParaRPr>
-          </a:p>
-        </p:txBody>
-      </p:sp>
-      <p:sp>
-        <p:nvSpPr>
-          <p:cNvPr id="37" name="TextBox 36">
-            <a:extLst>
-              <a:ext uri="{FF2B5EF4-FFF2-40B4-BE49-F238E27FC236}">
-                <a16:creationId xmlns:a16="http://schemas.microsoft.com/office/drawing/2014/main" id="{3A4D5330-DB72-DC4F-861D-984220223C38}"/>
+              <a:rPr lang="en-US" sz="2400" dirty="0"/>
+              <a:t>06</a:t>
+            </a:r>
+          </a:p>
+        </p:txBody>
+      </p:sp>
+      <p:sp>
+        <p:nvSpPr>
+          <p:cNvPr id="45" name="TextBox 44">
+            <a:extLst>
+              <a:ext uri="{FF2B5EF4-FFF2-40B4-BE49-F238E27FC236}">
+                <a16:creationId xmlns:a16="http://schemas.microsoft.com/office/drawing/2014/main" id="{9605FEC7-15DB-234B-BEB8-A520EACA8F47}"/>
               </a:ext>
             </a:extLst>
           </p:cNvPr>
@@ -3963,8 +4232,8 @@
         </p:nvSpPr>
         <p:spPr>
           <a:xfrm>
-            <a:off x="2730500" y="1051081"/>
-            <a:ext cx="602934" cy="584775"/>
+            <a:off x="3954838" y="1762529"/>
+            <a:ext cx="593567" cy="461665"/>
           </a:xfrm>
           <a:prstGeom prst="rect">
             <a:avLst/>
@@ -3978,18 +4247,18 @@
           <a:lstStyle/>
           <a:p>
             <a:r>
-              <a:rPr lang="en-US" sz="3200" dirty="0"/>
-              <a:t>a</a:t>
-            </a:r>
-          </a:p>
-        </p:txBody>
-      </p:sp>
-      <p:sp>
-        <p:nvSpPr>
-          <p:cNvPr id="38" name="TextBox 37">
-            <a:extLst>
-              <a:ext uri="{FF2B5EF4-FFF2-40B4-BE49-F238E27FC236}">
-                <a16:creationId xmlns:a16="http://schemas.microsoft.com/office/drawing/2014/main" id="{63A06F98-C66D-3549-9DBC-75726298BE1D}"/>
+              <a:rPr lang="en-US" sz="2400" dirty="0"/>
+              <a:t>07</a:t>
+            </a:r>
+          </a:p>
+        </p:txBody>
+      </p:sp>
+      <p:sp>
+        <p:nvSpPr>
+          <p:cNvPr id="46" name="TextBox 45">
+            <a:extLst>
+              <a:ext uri="{FF2B5EF4-FFF2-40B4-BE49-F238E27FC236}">
+                <a16:creationId xmlns:a16="http://schemas.microsoft.com/office/drawing/2014/main" id="{BAC114BD-FE00-714D-8203-5E6F151716B2}"/>
               </a:ext>
             </a:extLst>
           </p:cNvPr>
@@ -3998,287 +4267,7 @@
         </p:nvSpPr>
         <p:spPr>
           <a:xfrm>
-            <a:off x="7018736" y="1051081"/>
-            <a:ext cx="602934" cy="584775"/>
-          </a:xfrm>
-          <a:prstGeom prst="rect">
-            <a:avLst/>
-          </a:prstGeom>
-          <a:noFill/>
-        </p:spPr>
-        <p:txBody>
-          <a:bodyPr wrap="square" rtlCol="0">
-            <a:spAutoFit/>
-          </a:bodyPr>
-          <a:lstStyle/>
-          <a:p>
-            <a:r>
-              <a:rPr lang="en-US" sz="3200" dirty="0"/>
-              <a:t>b</a:t>
-            </a:r>
-          </a:p>
-        </p:txBody>
-      </p:sp>
-      <p:sp>
-        <p:nvSpPr>
-          <p:cNvPr id="39" name="TextBox 38">
-            <a:extLst>
-              <a:ext uri="{FF2B5EF4-FFF2-40B4-BE49-F238E27FC236}">
-                <a16:creationId xmlns:a16="http://schemas.microsoft.com/office/drawing/2014/main" id="{7D457699-E7D3-F645-A4B7-4159B5DB20B0}"/>
-              </a:ext>
-            </a:extLst>
-          </p:cNvPr>
-          <p:cNvSpPr txBox="1"/>
-          <p:nvPr/>
-        </p:nvSpPr>
-        <p:spPr>
-          <a:xfrm>
-            <a:off x="3380901" y="1481846"/>
-            <a:ext cx="593567" cy="461665"/>
-          </a:xfrm>
-          <a:prstGeom prst="rect">
-            <a:avLst/>
-          </a:prstGeom>
-          <a:noFill/>
-        </p:spPr>
-        <p:txBody>
-          <a:bodyPr wrap="square" rtlCol="0">
-            <a:spAutoFit/>
-          </a:bodyPr>
-          <a:lstStyle/>
-          <a:p>
-            <a:r>
-              <a:rPr lang="en-US" sz="2400" dirty="0"/>
-              <a:t>01</a:t>
-            </a:r>
-          </a:p>
-        </p:txBody>
-      </p:sp>
-      <p:sp>
-        <p:nvSpPr>
-          <p:cNvPr id="40" name="TextBox 39">
-            <a:extLst>
-              <a:ext uri="{FF2B5EF4-FFF2-40B4-BE49-F238E27FC236}">
-                <a16:creationId xmlns:a16="http://schemas.microsoft.com/office/drawing/2014/main" id="{E116C8A2-39B0-1A4D-BC39-32902DAD0911}"/>
-              </a:ext>
-            </a:extLst>
-          </p:cNvPr>
-          <p:cNvSpPr txBox="1"/>
-          <p:nvPr/>
-        </p:nvSpPr>
-        <p:spPr>
-          <a:xfrm>
-            <a:off x="4865822" y="1481846"/>
-            <a:ext cx="593567" cy="461665"/>
-          </a:xfrm>
-          <a:prstGeom prst="rect">
-            <a:avLst/>
-          </a:prstGeom>
-          <a:noFill/>
-        </p:spPr>
-        <p:txBody>
-          <a:bodyPr wrap="square" rtlCol="0">
-            <a:spAutoFit/>
-          </a:bodyPr>
-          <a:lstStyle/>
-          <a:p>
-            <a:r>
-              <a:rPr lang="en-US" sz="2400" dirty="0"/>
-              <a:t>02</a:t>
-            </a:r>
-          </a:p>
-        </p:txBody>
-      </p:sp>
-      <p:sp>
-        <p:nvSpPr>
-          <p:cNvPr id="41" name="TextBox 40">
-            <a:extLst>
-              <a:ext uri="{FF2B5EF4-FFF2-40B4-BE49-F238E27FC236}">
-                <a16:creationId xmlns:a16="http://schemas.microsoft.com/office/drawing/2014/main" id="{62DFBA26-C067-D84A-8B25-0C2BD3F68ACB}"/>
-              </a:ext>
-            </a:extLst>
-          </p:cNvPr>
-          <p:cNvSpPr txBox="1"/>
-          <p:nvPr/>
-        </p:nvSpPr>
-        <p:spPr>
-          <a:xfrm>
-            <a:off x="3380901" y="2374398"/>
-            <a:ext cx="593567" cy="461665"/>
-          </a:xfrm>
-          <a:prstGeom prst="rect">
-            <a:avLst/>
-          </a:prstGeom>
-          <a:noFill/>
-        </p:spPr>
-        <p:txBody>
-          <a:bodyPr wrap="square" rtlCol="0">
-            <a:spAutoFit/>
-          </a:bodyPr>
-          <a:lstStyle/>
-          <a:p>
-            <a:r>
-              <a:rPr lang="en-US" sz="2400" dirty="0"/>
-              <a:t>03</a:t>
-            </a:r>
-          </a:p>
-        </p:txBody>
-      </p:sp>
-      <p:sp>
-        <p:nvSpPr>
-          <p:cNvPr id="42" name="TextBox 41">
-            <a:extLst>
-              <a:ext uri="{FF2B5EF4-FFF2-40B4-BE49-F238E27FC236}">
-                <a16:creationId xmlns:a16="http://schemas.microsoft.com/office/drawing/2014/main" id="{E46E4234-EB5C-3A4A-B3BD-4841FB0D45E1}"/>
-              </a:ext>
-            </a:extLst>
-          </p:cNvPr>
-          <p:cNvSpPr txBox="1"/>
-          <p:nvPr/>
-        </p:nvSpPr>
-        <p:spPr>
-          <a:xfrm>
-            <a:off x="4865822" y="2374398"/>
-            <a:ext cx="593567" cy="461665"/>
-          </a:xfrm>
-          <a:prstGeom prst="rect">
-            <a:avLst/>
-          </a:prstGeom>
-          <a:noFill/>
-        </p:spPr>
-        <p:txBody>
-          <a:bodyPr wrap="square" rtlCol="0">
-            <a:spAutoFit/>
-          </a:bodyPr>
-          <a:lstStyle/>
-          <a:p>
-            <a:r>
-              <a:rPr lang="en-US" sz="2400" dirty="0"/>
-              <a:t>04</a:t>
-            </a:r>
-          </a:p>
-        </p:txBody>
-      </p:sp>
-      <p:sp>
-        <p:nvSpPr>
-          <p:cNvPr id="43" name="TextBox 42">
-            <a:extLst>
-              <a:ext uri="{FF2B5EF4-FFF2-40B4-BE49-F238E27FC236}">
-                <a16:creationId xmlns:a16="http://schemas.microsoft.com/office/drawing/2014/main" id="{9B774401-F282-3040-8719-E60A74FAC05D}"/>
-              </a:ext>
-            </a:extLst>
-          </p:cNvPr>
-          <p:cNvSpPr txBox="1"/>
-          <p:nvPr/>
-        </p:nvSpPr>
-        <p:spPr>
-          <a:xfrm>
-            <a:off x="3380901" y="3283351"/>
-            <a:ext cx="593567" cy="461665"/>
-          </a:xfrm>
-          <a:prstGeom prst="rect">
-            <a:avLst/>
-          </a:prstGeom>
-          <a:noFill/>
-        </p:spPr>
-        <p:txBody>
-          <a:bodyPr wrap="square" rtlCol="0">
-            <a:spAutoFit/>
-          </a:bodyPr>
-          <a:lstStyle/>
-          <a:p>
-            <a:r>
-              <a:rPr lang="en-US" sz="2400" dirty="0"/>
-              <a:t>05</a:t>
-            </a:r>
-          </a:p>
-        </p:txBody>
-      </p:sp>
-      <p:sp>
-        <p:nvSpPr>
-          <p:cNvPr id="44" name="TextBox 43">
-            <a:extLst>
-              <a:ext uri="{FF2B5EF4-FFF2-40B4-BE49-F238E27FC236}">
-                <a16:creationId xmlns:a16="http://schemas.microsoft.com/office/drawing/2014/main" id="{D7FA765C-65D3-634E-A2D6-57B90026C252}"/>
-              </a:ext>
-            </a:extLst>
-          </p:cNvPr>
-          <p:cNvSpPr txBox="1"/>
-          <p:nvPr/>
-        </p:nvSpPr>
-        <p:spPr>
-          <a:xfrm>
-            <a:off x="4865822" y="3283351"/>
-            <a:ext cx="593567" cy="461665"/>
-          </a:xfrm>
-          <a:prstGeom prst="rect">
-            <a:avLst/>
-          </a:prstGeom>
-          <a:noFill/>
-        </p:spPr>
-        <p:txBody>
-          <a:bodyPr wrap="square" rtlCol="0">
-            <a:spAutoFit/>
-          </a:bodyPr>
-          <a:lstStyle/>
-          <a:p>
-            <a:r>
-              <a:rPr lang="en-US" sz="2400" dirty="0"/>
-              <a:t>06</a:t>
-            </a:r>
-          </a:p>
-        </p:txBody>
-      </p:sp>
-      <p:sp>
-        <p:nvSpPr>
-          <p:cNvPr id="45" name="TextBox 44">
-            <a:extLst>
-              <a:ext uri="{FF2B5EF4-FFF2-40B4-BE49-F238E27FC236}">
-                <a16:creationId xmlns:a16="http://schemas.microsoft.com/office/drawing/2014/main" id="{9605FEC7-15DB-234B-BEB8-A520EACA8F47}"/>
-              </a:ext>
-            </a:extLst>
-          </p:cNvPr>
-          <p:cNvSpPr txBox="1"/>
-          <p:nvPr/>
-        </p:nvSpPr>
-        <p:spPr>
-          <a:xfrm>
-            <a:off x="3380901" y="4246062"/>
-            <a:ext cx="593567" cy="461665"/>
-          </a:xfrm>
-          <a:prstGeom prst="rect">
-            <a:avLst/>
-          </a:prstGeom>
-          <a:noFill/>
-        </p:spPr>
-        <p:txBody>
-          <a:bodyPr wrap="square" rtlCol="0">
-            <a:spAutoFit/>
-          </a:bodyPr>
-          <a:lstStyle/>
-          <a:p>
-            <a:r>
-              <a:rPr lang="en-US" sz="2400" dirty="0"/>
-              <a:t>07</a:t>
-            </a:r>
-          </a:p>
-        </p:txBody>
-      </p:sp>
-      <p:sp>
-        <p:nvSpPr>
-          <p:cNvPr id="46" name="TextBox 45">
-            <a:extLst>
-              <a:ext uri="{FF2B5EF4-FFF2-40B4-BE49-F238E27FC236}">
-                <a16:creationId xmlns:a16="http://schemas.microsoft.com/office/drawing/2014/main" id="{BAC114BD-FE00-714D-8203-5E6F151716B2}"/>
-              </a:ext>
-            </a:extLst>
-          </p:cNvPr>
-          <p:cNvSpPr txBox="1"/>
-          <p:nvPr/>
-        </p:nvSpPr>
-        <p:spPr>
-          <a:xfrm>
-            <a:off x="4865822" y="4246062"/>
+            <a:off x="5391119" y="1762529"/>
             <a:ext cx="593567" cy="461665"/>
           </a:xfrm>
           <a:prstGeom prst="rect">
